--- a/Partie_Remi/Presentation_Partie_Remi.pptx
+++ b/Partie_Remi/Presentation_Partie_Remi.pptx
@@ -7,14 +7,16 @@
   <p:sldIdLst>
     <p:sldId id="256" r:id="rId2"/>
     <p:sldId id="257" r:id="rId3"/>
-    <p:sldId id="258" r:id="rId4"/>
-    <p:sldId id="259" r:id="rId5"/>
-    <p:sldId id="260" r:id="rId6"/>
-    <p:sldId id="261" r:id="rId7"/>
-    <p:sldId id="262" r:id="rId8"/>
-    <p:sldId id="263" r:id="rId9"/>
-    <p:sldId id="264" r:id="rId10"/>
-    <p:sldId id="265" r:id="rId11"/>
+    <p:sldId id="263" r:id="rId4"/>
+    <p:sldId id="273" r:id="rId5"/>
+    <p:sldId id="264" r:id="rId6"/>
+    <p:sldId id="265" r:id="rId7"/>
+    <p:sldId id="268" r:id="rId8"/>
+    <p:sldId id="267" r:id="rId9"/>
+    <p:sldId id="270" r:id="rId10"/>
+    <p:sldId id="269" r:id="rId11"/>
+    <p:sldId id="272" r:id="rId12"/>
+    <p:sldId id="274" r:id="rId13"/>
   </p:sldIdLst>
   <p:sldSz cx="12192000" cy="6858000"/>
   <p:notesSz cx="6858000" cy="9144000"/>
@@ -4406,7 +4408,7 @@
             <a:fld id="{48A87A34-81AB-432B-8DAE-1953F412C126}" type="datetimeFigureOut">
               <a:rPr lang="en-US" dirty="0"/>
               <a:pPr/>
-              <a:t>2/12/2018</a:t>
+              <a:t>4/18/2018</a:t>
             </a:fld>
             <a:endParaRPr lang="en-US" dirty="0"/>
           </a:p>
@@ -4678,7 +4680,7 @@
             <a:fld id="{48A87A34-81AB-432B-8DAE-1953F412C126}" type="datetimeFigureOut">
               <a:rPr lang="en-US" dirty="0"/>
               <a:pPr/>
-              <a:t>2/12/2018</a:t>
+              <a:t>4/18/2018</a:t>
             </a:fld>
             <a:endParaRPr lang="en-US" dirty="0"/>
           </a:p>
@@ -4879,7 +4881,7 @@
             <a:fld id="{48A87A34-81AB-432B-8DAE-1953F412C126}" type="datetimeFigureOut">
               <a:rPr lang="en-US" dirty="0"/>
               <a:pPr/>
-              <a:t>2/12/2018</a:t>
+              <a:t>4/18/2018</a:t>
             </a:fld>
             <a:endParaRPr lang="en-US" dirty="0"/>
           </a:p>
@@ -5147,7 +5149,7 @@
             <a:fld id="{48A87A34-81AB-432B-8DAE-1953F412C126}" type="datetimeFigureOut">
               <a:rPr lang="en-US" dirty="0"/>
               <a:pPr/>
-              <a:t>2/12/2018</a:t>
+              <a:t>4/18/2018</a:t>
             </a:fld>
             <a:endParaRPr lang="en-US" dirty="0"/>
           </a:p>
@@ -5586,7 +5588,7 @@
             <a:fld id="{48A87A34-81AB-432B-8DAE-1953F412C126}" type="datetimeFigureOut">
               <a:rPr lang="en-US" dirty="0"/>
               <a:pPr/>
-              <a:t>2/12/2018</a:t>
+              <a:t>4/18/2018</a:t>
             </a:fld>
             <a:endParaRPr lang="en-US" dirty="0"/>
           </a:p>
@@ -6137,7 +6139,7 @@
             <a:fld id="{48A87A34-81AB-432B-8DAE-1953F412C126}" type="datetimeFigureOut">
               <a:rPr lang="en-US" dirty="0"/>
               <a:pPr/>
-              <a:t>2/12/2018</a:t>
+              <a:t>4/18/2018</a:t>
             </a:fld>
             <a:endParaRPr lang="en-US" dirty="0"/>
           </a:p>
@@ -6862,7 +6864,7 @@
             <a:fld id="{48A87A34-81AB-432B-8DAE-1953F412C126}" type="datetimeFigureOut">
               <a:rPr lang="en-US" dirty="0"/>
               <a:pPr/>
-              <a:t>2/12/2018</a:t>
+              <a:t>4/18/2018</a:t>
             </a:fld>
             <a:endParaRPr lang="en-US" dirty="0"/>
           </a:p>
@@ -7037,7 +7039,7 @@
             <a:fld id="{48A87A34-81AB-432B-8DAE-1953F412C126}" type="datetimeFigureOut">
               <a:rPr lang="en-US" dirty="0"/>
               <a:pPr/>
-              <a:t>2/12/2018</a:t>
+              <a:t>4/18/2018</a:t>
             </a:fld>
             <a:endParaRPr lang="en-US" dirty="0"/>
           </a:p>
@@ -7222,7 +7224,7 @@
             <a:fld id="{48A87A34-81AB-432B-8DAE-1953F412C126}" type="datetimeFigureOut">
               <a:rPr lang="en-US" dirty="0"/>
               <a:pPr/>
-              <a:t>2/12/2018</a:t>
+              <a:t>4/18/2018</a:t>
             </a:fld>
             <a:endParaRPr lang="en-US" dirty="0"/>
           </a:p>
@@ -7397,7 +7399,7 @@
             <a:fld id="{48A87A34-81AB-432B-8DAE-1953F412C126}" type="datetimeFigureOut">
               <a:rPr lang="en-US" dirty="0"/>
               <a:pPr/>
-              <a:t>2/12/2018</a:t>
+              <a:t>4/18/2018</a:t>
             </a:fld>
             <a:endParaRPr lang="en-US" dirty="0"/>
           </a:p>
@@ -7652,7 +7654,7 @@
             <a:fld id="{48A87A34-81AB-432B-8DAE-1953F412C126}" type="datetimeFigureOut">
               <a:rPr lang="en-US" dirty="0"/>
               <a:pPr/>
-              <a:t>2/12/2018</a:t>
+              <a:t>4/18/2018</a:t>
             </a:fld>
             <a:endParaRPr lang="en-US" dirty="0"/>
           </a:p>
@@ -7889,7 +7891,7 @@
             <a:fld id="{48A87A34-81AB-432B-8DAE-1953F412C126}" type="datetimeFigureOut">
               <a:rPr lang="en-US" dirty="0"/>
               <a:pPr/>
-              <a:t>2/12/2018</a:t>
+              <a:t>4/18/2018</a:t>
             </a:fld>
             <a:endParaRPr lang="en-US" dirty="0"/>
           </a:p>
@@ -8275,7 +8277,7 @@
             <a:fld id="{48A87A34-81AB-432B-8DAE-1953F412C126}" type="datetimeFigureOut">
               <a:rPr lang="en-US" dirty="0"/>
               <a:pPr/>
-              <a:t>2/12/2018</a:t>
+              <a:t>4/18/2018</a:t>
             </a:fld>
             <a:endParaRPr lang="en-US" dirty="0"/>
           </a:p>
@@ -8398,7 +8400,7 @@
             <a:fld id="{48A87A34-81AB-432B-8DAE-1953F412C126}" type="datetimeFigureOut">
               <a:rPr lang="en-US" dirty="0"/>
               <a:pPr/>
-              <a:t>2/12/2018</a:t>
+              <a:t>4/18/2018</a:t>
             </a:fld>
             <a:endParaRPr lang="en-US" dirty="0"/>
           </a:p>
@@ -8498,7 +8500,7 @@
             <a:fld id="{48A87A34-81AB-432B-8DAE-1953F412C126}" type="datetimeFigureOut">
               <a:rPr lang="en-US" dirty="0"/>
               <a:pPr/>
-              <a:t>2/12/2018</a:t>
+              <a:t>4/18/2018</a:t>
             </a:fld>
             <a:endParaRPr lang="en-US" dirty="0"/>
           </a:p>
@@ -8752,7 +8754,7 @@
             <a:fld id="{48A87A34-81AB-432B-8DAE-1953F412C126}" type="datetimeFigureOut">
               <a:rPr lang="en-US" dirty="0"/>
               <a:pPr/>
-              <a:t>2/12/2018</a:t>
+              <a:t>4/18/2018</a:t>
             </a:fld>
             <a:endParaRPr lang="en-US" dirty="0"/>
           </a:p>
@@ -9037,7 +9039,7 @@
             <a:fld id="{48A87A34-81AB-432B-8DAE-1953F412C126}" type="datetimeFigureOut">
               <a:rPr lang="en-US" dirty="0"/>
               <a:pPr/>
-              <a:t>2/12/2018</a:t>
+              <a:t>4/18/2018</a:t>
             </a:fld>
             <a:endParaRPr lang="en-US" dirty="0"/>
           </a:p>
@@ -12114,7 +12116,7 @@
             <a:fld id="{48A87A34-81AB-432B-8DAE-1953F412C126}" type="datetimeFigureOut">
               <a:rPr lang="en-US" dirty="0"/>
               <a:pPr/>
-              <a:t>2/12/2018</a:t>
+              <a:t>4/18/2018</a:t>
             </a:fld>
             <a:endParaRPr lang="en-US" dirty="0"/>
           </a:p>
@@ -12661,7 +12663,12 @@
             <p:ph type="title"/>
           </p:nvPr>
         </p:nvSpPr>
-        <p:spPr/>
+        <p:spPr>
+          <a:xfrm>
+            <a:off x="1173499" y="265592"/>
+            <a:ext cx="9905999" cy="1478570"/>
+          </a:xfrm>
+        </p:spPr>
         <p:txBody>
           <a:bodyPr/>
           <a:lstStyle/>
@@ -12671,7 +12678,227 @@
               <a:rPr lang="fr-FR" dirty="0" smtClean="0"/>
               <a:t>Capteur CV3F</a:t>
             </a:r>
+            <a:br>
+              <a:rPr lang="fr-FR" dirty="0" smtClean="0"/>
+            </a:br>
+            <a:r>
+              <a:rPr lang="fr-FR" dirty="0" smtClean="0"/>
+              <a:t>suite classe</a:t>
+            </a:r>
             <a:endParaRPr lang="fr-FR" dirty="0"/>
+          </a:p>
+        </p:txBody>
+      </p:sp>
+      <p:pic>
+        <p:nvPicPr>
+          <p:cNvPr id="5122" name="Picture 2"/>
+          <p:cNvPicPr>
+            <a:picLocks noChangeAspect="1" noChangeArrowheads="1"/>
+          </p:cNvPicPr>
+          <p:nvPr/>
+        </p:nvPicPr>
+        <p:blipFill>
+          <a:blip r:embed="rId2"/>
+          <a:srcRect/>
+          <a:stretch>
+            <a:fillRect/>
+          </a:stretch>
+        </p:blipFill>
+        <p:spPr bwMode="auto">
+          <a:xfrm>
+            <a:off x="-1" y="1466947"/>
+            <a:ext cx="4932947" cy="5391054"/>
+          </a:xfrm>
+          <a:prstGeom prst="rect">
+            <a:avLst/>
+          </a:prstGeom>
+          <a:noFill/>
+          <a:ln w="9525">
+            <a:noFill/>
+            <a:miter lim="800000"/>
+            <a:headEnd/>
+            <a:tailEnd/>
+          </a:ln>
+          <a:effectLst/>
+        </p:spPr>
+      </p:pic>
+      <p:pic>
+        <p:nvPicPr>
+          <p:cNvPr id="5123" name="Picture 3"/>
+          <p:cNvPicPr>
+            <a:picLocks noChangeAspect="1" noChangeArrowheads="1"/>
+          </p:cNvPicPr>
+          <p:nvPr/>
+        </p:nvPicPr>
+        <p:blipFill>
+          <a:blip r:embed="rId3"/>
+          <a:srcRect/>
+          <a:stretch>
+            <a:fillRect/>
+          </a:stretch>
+        </p:blipFill>
+        <p:spPr bwMode="auto">
+          <a:xfrm>
+            <a:off x="6400801" y="1471623"/>
+            <a:ext cx="5791200" cy="5386378"/>
+          </a:xfrm>
+          <a:prstGeom prst="rect">
+            <a:avLst/>
+          </a:prstGeom>
+          <a:noFill/>
+          <a:ln w="9525">
+            <a:noFill/>
+            <a:miter lim="800000"/>
+            <a:headEnd/>
+            <a:tailEnd/>
+          </a:ln>
+          <a:effectLst/>
+        </p:spPr>
+      </p:pic>
+    </p:spTree>
+  </p:cSld>
+  <p:clrMapOvr>
+    <a:masterClrMapping/>
+  </p:clrMapOvr>
+  <p:timing>
+    <p:tnLst>
+      <p:par>
+        <p:cTn id="1" dur="indefinite" restart="never" nodeType="tmRoot"/>
+      </p:par>
+    </p:tnLst>
+  </p:timing>
+</p:sld>
+</file>
+
+<file path=ppt/slides/slide11.xml><?xml version="1.0" encoding="utf-8"?>
+<p:sld xmlns:a="http://schemas.openxmlformats.org/drawingml/2006/main" xmlns:r="http://schemas.openxmlformats.org/officeDocument/2006/relationships" xmlns:p="http://schemas.openxmlformats.org/presentationml/2006/main">
+  <p:cSld>
+    <p:spTree>
+      <p:nvGrpSpPr>
+        <p:cNvPr id="1" name=""/>
+        <p:cNvGrpSpPr/>
+        <p:nvPr/>
+      </p:nvGrpSpPr>
+      <p:grpSpPr>
+        <a:xfrm>
+          <a:off x="0" y="0"/>
+          <a:ext cx="0" cy="0"/>
+          <a:chOff x="0" y="0"/>
+          <a:chExt cx="0" cy="0"/>
+        </a:xfrm>
+      </p:grpSpPr>
+      <p:pic>
+        <p:nvPicPr>
+          <p:cNvPr id="3074" name="Picture 2"/>
+          <p:cNvPicPr>
+            <a:picLocks noGrp="1" noChangeAspect="1" noChangeArrowheads="1"/>
+          </p:cNvPicPr>
+          <p:nvPr>
+            <p:ph idx="1"/>
+          </p:nvPr>
+        </p:nvPicPr>
+        <p:blipFill>
+          <a:blip r:embed="rId2"/>
+          <a:srcRect/>
+          <a:stretch>
+            <a:fillRect/>
+          </a:stretch>
+        </p:blipFill>
+        <p:spPr bwMode="auto">
+          <a:xfrm>
+            <a:off x="221632" y="737937"/>
+            <a:ext cx="11970368" cy="5778752"/>
+          </a:xfrm>
+          <a:prstGeom prst="rect">
+            <a:avLst/>
+          </a:prstGeom>
+          <a:noFill/>
+          <a:ln w="9525">
+            <a:noFill/>
+            <a:miter lim="800000"/>
+            <a:headEnd/>
+            <a:tailEnd/>
+          </a:ln>
+          <a:effectLst/>
+        </p:spPr>
+      </p:pic>
+    </p:spTree>
+  </p:cSld>
+  <p:clrMapOvr>
+    <a:masterClrMapping/>
+  </p:clrMapOvr>
+  <p:timing>
+    <p:tnLst>
+      <p:par>
+        <p:cTn id="1" dur="indefinite" restart="never" nodeType="tmRoot"/>
+      </p:par>
+    </p:tnLst>
+  </p:timing>
+</p:sld>
+</file>
+
+<file path=ppt/slides/slide12.xml><?xml version="1.0" encoding="utf-8"?>
+<p:sld xmlns:a="http://schemas.openxmlformats.org/drawingml/2006/main" xmlns:r="http://schemas.openxmlformats.org/officeDocument/2006/relationships" xmlns:p="http://schemas.openxmlformats.org/presentationml/2006/main">
+  <p:cSld>
+    <p:spTree>
+      <p:nvGrpSpPr>
+        <p:cNvPr id="1" name=""/>
+        <p:cNvGrpSpPr/>
+        <p:nvPr/>
+      </p:nvGrpSpPr>
+      <p:grpSpPr>
+        <a:xfrm>
+          <a:off x="0" y="0"/>
+          <a:ext cx="0" cy="0"/>
+          <a:chOff x="0" y="0"/>
+          <a:chExt cx="0" cy="0"/>
+        </a:xfrm>
+      </p:grpSpPr>
+      <p:sp>
+        <p:nvSpPr>
+          <p:cNvPr id="2" name="Titre 1"/>
+          <p:cNvSpPr>
+            <a:spLocks noGrp="1"/>
+          </p:cNvSpPr>
+          <p:nvPr>
+            <p:ph type="title"/>
+          </p:nvPr>
+        </p:nvSpPr>
+        <p:spPr>
+          <a:xfrm>
+            <a:off x="1069224" y="0"/>
+            <a:ext cx="9905999" cy="1478570"/>
+          </a:xfrm>
+        </p:spPr>
+        <p:txBody>
+          <a:bodyPr/>
+          <a:lstStyle/>
+          <a:p>
+            <a:pPr algn="ctr"/>
+            <a:r>
+              <a:rPr lang="fr-FR" dirty="0" smtClean="0"/>
+              <a:t>Trame INImEAC</a:t>
+            </a:r>
+            <a:endParaRPr lang="fr-FR" dirty="0"/>
+          </a:p>
+        </p:txBody>
+      </p:sp>
+      <p:sp>
+        <p:nvSpPr>
+          <p:cNvPr id="4" name="Espace réservé du contenu 3"/>
+          <p:cNvSpPr>
+            <a:spLocks noGrp="1"/>
+          </p:cNvSpPr>
+          <p:nvPr>
+            <p:ph idx="1"/>
+          </p:nvPr>
+        </p:nvSpPr>
+        <p:spPr/>
+        <p:txBody>
+          <a:bodyPr/>
+          <a:lstStyle/>
+          <a:p>
+            <a:endParaRPr lang="fr-FR"/>
           </a:p>
         </p:txBody>
       </p:sp>
@@ -12836,139 +13063,9 @@
           <a:chExt cx="0" cy="0"/>
         </a:xfrm>
       </p:grpSpPr>
-      <p:pic>
-        <p:nvPicPr>
-          <p:cNvPr id="18" name="Image 18" descr="Une image contenant capture d’écran&#10;&#10;Description générée avec un niveau de confiance très élevé">
-            <a:extLst>
-              <a:ext uri="{FF2B5EF4-FFF2-40B4-BE49-F238E27FC236}">
-                <a16:creationId xmlns="" xmlns:a16="http://schemas.microsoft.com/office/drawing/2014/main" id="{5052A15B-03BF-429E-8B63-DBA7FD022EF0}"/>
-              </a:ext>
-            </a:extLst>
-          </p:cNvPr>
-          <p:cNvPicPr>
-            <a:picLocks noGrp="1" noChangeAspect="1"/>
-          </p:cNvPicPr>
-          <p:nvPr>
-            <p:ph idx="1"/>
-          </p:nvPr>
-        </p:nvPicPr>
-        <p:blipFill>
-          <a:blip r:embed="rId2"/>
-          <a:stretch>
-            <a:fillRect/>
-          </a:stretch>
-        </p:blipFill>
-        <p:spPr>
-          <a:xfrm>
-            <a:off x="212725" y="0"/>
-            <a:ext cx="11761788" cy="6874564"/>
-          </a:xfrm>
-          <a:prstGeom prst="rect">
-            <a:avLst/>
-          </a:prstGeom>
-        </p:spPr>
-      </p:pic>
-    </p:spTree>
-    <p:extLst>
-      <p:ext uri="{BB962C8B-B14F-4D97-AF65-F5344CB8AC3E}">
-        <p14:creationId xmlns="" xmlns:p14="http://schemas.microsoft.com/office/powerpoint/2010/main" val="2804658693"/>
-      </p:ext>
-    </p:extLst>
-  </p:cSld>
-  <p:clrMapOvr>
-    <a:masterClrMapping/>
-  </p:clrMapOvr>
-</p:sld>
-</file>
-
-<file path=ppt/slides/slide4.xml><?xml version="1.0" encoding="utf-8"?>
-<p:sld xmlns:a="http://schemas.openxmlformats.org/drawingml/2006/main" xmlns:r="http://schemas.openxmlformats.org/officeDocument/2006/relationships" xmlns:p="http://schemas.openxmlformats.org/presentationml/2006/main">
-  <p:cSld>
-    <p:spTree>
-      <p:nvGrpSpPr>
-        <p:cNvPr id="1" name=""/>
-        <p:cNvGrpSpPr/>
-        <p:nvPr/>
-      </p:nvGrpSpPr>
-      <p:grpSpPr>
-        <a:xfrm>
-          <a:off x="0" y="0"/>
-          <a:ext cx="0" cy="0"/>
-          <a:chOff x="0" y="0"/>
-          <a:chExt cx="0" cy="0"/>
-        </a:xfrm>
-      </p:grpSpPr>
-      <p:pic>
-        <p:nvPicPr>
-          <p:cNvPr id="10" name="Image 10" descr="Une image contenant texte, carte&#10;&#10;Description générée avec un niveau de confiance très élevé">
-            <a:extLst>
-              <a:ext uri="{FF2B5EF4-FFF2-40B4-BE49-F238E27FC236}">
-                <a16:creationId xmlns="" xmlns:a16="http://schemas.microsoft.com/office/drawing/2014/main" id="{E36392FE-B09F-4374-A8BD-6AD7A90272DF}"/>
-              </a:ext>
-            </a:extLst>
-          </p:cNvPr>
-          <p:cNvPicPr>
-            <a:picLocks noGrp="1" noChangeAspect="1"/>
-          </p:cNvPicPr>
-          <p:nvPr>
-            <p:ph idx="1"/>
-          </p:nvPr>
-        </p:nvPicPr>
-        <p:blipFill>
-          <a:blip r:embed="rId2"/>
-          <a:stretch>
-            <a:fillRect/>
-          </a:stretch>
-        </p:blipFill>
-        <p:spPr>
-          <a:xfrm>
-            <a:off x="1524000" y="-28575"/>
-            <a:ext cx="9341282" cy="6897058"/>
-          </a:xfrm>
-          <a:prstGeom prst="rect">
-            <a:avLst/>
-          </a:prstGeom>
-        </p:spPr>
-      </p:pic>
-    </p:spTree>
-    <p:extLst>
-      <p:ext uri="{BB962C8B-B14F-4D97-AF65-F5344CB8AC3E}">
-        <p14:creationId xmlns="" xmlns:p14="http://schemas.microsoft.com/office/powerpoint/2010/main" val="3109784491"/>
-      </p:ext>
-    </p:extLst>
-  </p:cSld>
-  <p:clrMapOvr>
-    <a:masterClrMapping/>
-  </p:clrMapOvr>
-</p:sld>
-</file>
-
-<file path=ppt/slides/slide5.xml><?xml version="1.0" encoding="utf-8"?>
-<p:sld xmlns:a="http://schemas.openxmlformats.org/drawingml/2006/main" xmlns:r="http://schemas.openxmlformats.org/officeDocument/2006/relationships" xmlns:p="http://schemas.openxmlformats.org/presentationml/2006/main">
-  <p:cSld>
-    <p:spTree>
-      <p:nvGrpSpPr>
-        <p:cNvPr id="1" name=""/>
-        <p:cNvGrpSpPr/>
-        <p:nvPr/>
-      </p:nvGrpSpPr>
-      <p:grpSpPr>
-        <a:xfrm>
-          <a:off x="0" y="0"/>
-          <a:ext cx="0" cy="0"/>
-          <a:chOff x="0" y="0"/>
-          <a:chExt cx="0" cy="0"/>
-        </a:xfrm>
-      </p:grpSpPr>
       <p:sp>
         <p:nvSpPr>
-          <p:cNvPr id="2" name="Titre 1">
-            <a:extLst>
-              <a:ext uri="{FF2B5EF4-FFF2-40B4-BE49-F238E27FC236}">
-                <a16:creationId xmlns="" xmlns:a16="http://schemas.microsoft.com/office/drawing/2014/main" id="{2672EBFA-2AB0-4639-9EDD-25DBD486E824}"/>
-              </a:ext>
-            </a:extLst>
-          </p:cNvPr>
+          <p:cNvPr id="2" name="Titre 1"/>
           <p:cNvSpPr>
             <a:spLocks noGrp="1"/>
           </p:cNvSpPr>
@@ -12978,269 +13075,167 @@
         </p:nvSpPr>
         <p:spPr>
           <a:xfrm>
-            <a:off x="2428497" y="-276225"/>
-            <a:ext cx="7429499" cy="1478570"/>
+            <a:off x="1157455" y="442055"/>
+            <a:ext cx="9905999" cy="1478570"/>
           </a:xfrm>
         </p:spPr>
         <p:txBody>
-          <a:bodyPr/>
+          <a:bodyPr>
+            <a:normAutofit/>
+          </a:bodyPr>
           <a:lstStyle/>
           <a:p>
             <a:pPr algn="ctr"/>
             <a:r>
-              <a:rPr lang="fr-FR" dirty="0"/>
-              <a:t>Différents scénarios </a:t>
+              <a:rPr lang="fr-FR" dirty="0" smtClean="0"/>
+              <a:t>étudiant 1: Partie Capteur</a:t>
             </a:r>
+            <a:br>
+              <a:rPr lang="fr-FR" dirty="0" smtClean="0"/>
+            </a:br>
+            <a:r>
+              <a:rPr lang="fr-FR" dirty="0" smtClean="0"/>
+              <a:t>Descriptif de la partie</a:t>
+            </a:r>
+            <a:endParaRPr lang="fr-FR" dirty="0"/>
           </a:p>
         </p:txBody>
       </p:sp>
       <p:pic>
         <p:nvPicPr>
-          <p:cNvPr id="4" name="Image 4" descr="Une image contenant capture d’écran&#10;&#10;Description générée avec un niveau de confiance très élevé">
-            <a:extLst>
-              <a:ext uri="{FF2B5EF4-FFF2-40B4-BE49-F238E27FC236}">
-                <a16:creationId xmlns="" xmlns:a16="http://schemas.microsoft.com/office/drawing/2014/main" id="{29A4183F-B7A0-4798-9822-AF8E12746BBD}"/>
-              </a:ext>
-            </a:extLst>
-          </p:cNvPr>
+          <p:cNvPr id="4" name="Picture 4" descr="Résultat de recherche d'images pour &quot;anémomètre avion&quot;"/>
           <p:cNvPicPr>
-            <a:picLocks noGrp="1" noChangeAspect="1"/>
+            <a:picLocks noChangeAspect="1" noChangeArrowheads="1"/>
           </p:cNvPicPr>
-          <p:nvPr>
-            <p:ph idx="1"/>
-          </p:nvPr>
+          <p:nvPr/>
         </p:nvPicPr>
         <p:blipFill>
           <a:blip r:embed="rId2"/>
+          <a:srcRect/>
           <a:stretch>
             <a:fillRect/>
           </a:stretch>
         </p:blipFill>
-        <p:spPr>
+        <p:spPr bwMode="auto">
           <a:xfrm>
-            <a:off x="584770" y="658813"/>
-            <a:ext cx="4731768" cy="6016114"/>
+            <a:off x="0" y="0"/>
+            <a:ext cx="2987510" cy="2987512"/>
           </a:xfrm>
           <a:prstGeom prst="rect">
             <a:avLst/>
           </a:prstGeom>
+          <a:noFill/>
         </p:spPr>
       </p:pic>
       <p:pic>
         <p:nvPicPr>
-          <p:cNvPr id="6" name="Image 6" descr="Une image contenant capture d’écran&#10;&#10;Description générée avec un niveau de confiance très élevé">
-            <a:extLst>
-              <a:ext uri="{FF2B5EF4-FFF2-40B4-BE49-F238E27FC236}">
-                <a16:creationId xmlns="" xmlns:a16="http://schemas.microsoft.com/office/drawing/2014/main" id="{AFAB9CA0-56D7-4FA9-9D61-112388690BF1}"/>
-              </a:ext>
-            </a:extLst>
-          </p:cNvPr>
+          <p:cNvPr id="5" name="Picture 2" descr="Résultat de recherche d'images pour &quot;rose des vents&quot;"/>
           <p:cNvPicPr>
-            <a:picLocks noChangeAspect="1"/>
+            <a:picLocks noChangeAspect="1" noChangeArrowheads="1"/>
           </p:cNvPicPr>
           <p:nvPr/>
         </p:nvPicPr>
         <p:blipFill>
           <a:blip r:embed="rId3"/>
+          <a:srcRect/>
           <a:stretch>
             <a:fillRect/>
           </a:stretch>
         </p:blipFill>
-        <p:spPr>
+        <p:spPr bwMode="auto">
           <a:xfrm>
-            <a:off x="6315075" y="658813"/>
-            <a:ext cx="4902799" cy="6025967"/>
+            <a:off x="9079832" y="0"/>
+            <a:ext cx="3112168" cy="3112168"/>
           </a:xfrm>
           <a:prstGeom prst="rect">
             <a:avLst/>
           </a:prstGeom>
+          <a:noFill/>
         </p:spPr>
       </p:pic>
-    </p:spTree>
-    <p:extLst>
-      <p:ext uri="{BB962C8B-B14F-4D97-AF65-F5344CB8AC3E}">
-        <p14:creationId xmlns="" xmlns:p14="http://schemas.microsoft.com/office/powerpoint/2010/main" val="4026715140"/>
-      </p:ext>
-    </p:extLst>
-  </p:cSld>
-  <p:clrMapOvr>
-    <a:masterClrMapping/>
-  </p:clrMapOvr>
-</p:sld>
-</file>
-
-<file path=ppt/slides/slide6.xml><?xml version="1.0" encoding="utf-8"?>
-<p:sld xmlns:a="http://schemas.openxmlformats.org/drawingml/2006/main" xmlns:r="http://schemas.openxmlformats.org/officeDocument/2006/relationships" xmlns:p="http://schemas.openxmlformats.org/presentationml/2006/main">
-  <p:cSld>
-    <p:spTree>
-      <p:nvGrpSpPr>
-        <p:cNvPr id="1" name=""/>
-        <p:cNvGrpSpPr/>
-        <p:nvPr/>
-      </p:nvGrpSpPr>
-      <p:grpSpPr>
-        <a:xfrm>
-          <a:off x="0" y="0"/>
-          <a:ext cx="0" cy="0"/>
-          <a:chOff x="0" y="0"/>
-          <a:chExt cx="0" cy="0"/>
-        </a:xfrm>
-      </p:grpSpPr>
-      <p:sp>
-        <p:nvSpPr>
-          <p:cNvPr id="2" name="Titre 1">
-            <a:extLst>
-              <a:ext uri="{FF2B5EF4-FFF2-40B4-BE49-F238E27FC236}">
-                <a16:creationId xmlns="" xmlns:a16="http://schemas.microsoft.com/office/drawing/2014/main" id="{FA990A1A-1ECE-46C6-AE94-860C2FACF4B4}"/>
-              </a:ext>
-            </a:extLst>
-          </p:cNvPr>
-          <p:cNvSpPr>
-            <a:spLocks noGrp="1"/>
-          </p:cNvSpPr>
-          <p:nvPr>
-            <p:ph type="title"/>
-          </p:nvPr>
-        </p:nvSpPr>
-        <p:spPr>
-          <a:xfrm>
-            <a:off x="2428497" y="-323850"/>
-            <a:ext cx="7429499" cy="1478570"/>
-          </a:xfrm>
-        </p:spPr>
-        <p:txBody>
-          <a:bodyPr/>
-          <a:lstStyle/>
-          <a:p>
-            <a:pPr algn="ctr"/>
-            <a:r>
-              <a:rPr lang="fr-FR" dirty="0"/>
-              <a:t>Suite des Scenarios</a:t>
-            </a:r>
-          </a:p>
-        </p:txBody>
-      </p:sp>
       <p:pic>
         <p:nvPicPr>
-          <p:cNvPr id="4" name="Image 4" descr="Une image contenant capture d’écran&#10;&#10;Description générée avec un niveau de confiance très élevé">
-            <a:extLst>
-              <a:ext uri="{FF2B5EF4-FFF2-40B4-BE49-F238E27FC236}">
-                <a16:creationId xmlns="" xmlns:a16="http://schemas.microsoft.com/office/drawing/2014/main" id="{9456F5C4-73CD-4CA1-BE18-3A20F7598D6E}"/>
-              </a:ext>
-            </a:extLst>
-          </p:cNvPr>
+          <p:cNvPr id="6" name="Picture 6" descr="Résultat de recherche d'images pour &quot;hygrometre&quot;"/>
           <p:cNvPicPr>
-            <a:picLocks noGrp="1" noChangeAspect="1"/>
+            <a:picLocks noChangeAspect="1" noChangeArrowheads="1"/>
           </p:cNvPicPr>
-          <p:nvPr>
-            <p:ph idx="1"/>
-          </p:nvPr>
+          <p:nvPr/>
         </p:nvPicPr>
         <p:blipFill>
-          <a:blip r:embed="rId2"/>
+          <a:blip r:embed="rId4"/>
+          <a:srcRect/>
           <a:stretch>
             <a:fillRect/>
           </a:stretch>
         </p:blipFill>
-        <p:spPr>
+        <p:spPr bwMode="auto">
           <a:xfrm>
-            <a:off x="104775" y="685800"/>
-            <a:ext cx="5960040" cy="5896363"/>
+            <a:off x="0" y="4000500"/>
+            <a:ext cx="2857500" cy="2857500"/>
           </a:xfrm>
           <a:prstGeom prst="rect">
             <a:avLst/>
           </a:prstGeom>
+          <a:noFill/>
         </p:spPr>
       </p:pic>
       <p:pic>
         <p:nvPicPr>
-          <p:cNvPr id="6" name="Image 6" descr="Une image contenant capture d’écran&#10;&#10;Description générée avec un niveau de confiance très élevé">
-            <a:extLst>
-              <a:ext uri="{FF2B5EF4-FFF2-40B4-BE49-F238E27FC236}">
-                <a16:creationId xmlns="" xmlns:a16="http://schemas.microsoft.com/office/drawing/2014/main" id="{E1CAA686-FC31-4095-92F6-5BFBB6111AD8}"/>
-              </a:ext>
-            </a:extLst>
-          </p:cNvPr>
+          <p:cNvPr id="7" name="Picture 4" descr="Résultat de recherche d'images pour &quot;baromètre$&quot;"/>
           <p:cNvPicPr>
-            <a:picLocks noChangeAspect="1"/>
+            <a:picLocks noChangeAspect="1" noChangeArrowheads="1"/>
           </p:cNvPicPr>
           <p:nvPr/>
         </p:nvPicPr>
         <p:blipFill>
-          <a:blip r:embed="rId3"/>
+          <a:blip r:embed="rId5"/>
+          <a:srcRect/>
           <a:stretch>
             <a:fillRect/>
           </a:stretch>
         </p:blipFill>
-        <p:spPr>
+        <p:spPr bwMode="auto">
           <a:xfrm>
-            <a:off x="6305550" y="714375"/>
-            <a:ext cx="5415502" cy="5865813"/>
+            <a:off x="9152022" y="3818022"/>
+            <a:ext cx="3039978" cy="3039978"/>
           </a:xfrm>
           <a:prstGeom prst="rect">
             <a:avLst/>
           </a:prstGeom>
+          <a:noFill/>
         </p:spPr>
       </p:pic>
-    </p:spTree>
-    <p:extLst>
-      <p:ext uri="{BB962C8B-B14F-4D97-AF65-F5344CB8AC3E}">
-        <p14:creationId xmlns="" xmlns:p14="http://schemas.microsoft.com/office/powerpoint/2010/main" val="1994373303"/>
-      </p:ext>
-    </p:extLst>
-  </p:cSld>
-  <p:clrMapOvr>
-    <a:masterClrMapping/>
-  </p:clrMapOvr>
-</p:sld>
-</file>
-
-<file path=ppt/slides/slide7.xml><?xml version="1.0" encoding="utf-8"?>
-<p:sld xmlns:a="http://schemas.openxmlformats.org/drawingml/2006/main" xmlns:r="http://schemas.openxmlformats.org/officeDocument/2006/relationships" xmlns:p="http://schemas.openxmlformats.org/presentationml/2006/main">
-  <p:cSld>
-    <p:spTree>
-      <p:nvGrpSpPr>
-        <p:cNvPr id="1" name=""/>
-        <p:cNvGrpSpPr/>
-        <p:nvPr/>
-      </p:nvGrpSpPr>
-      <p:grpSpPr>
-        <a:xfrm>
-          <a:off x="0" y="0"/>
-          <a:ext cx="0" cy="0"/>
-          <a:chOff x="0" y="0"/>
-          <a:chExt cx="0" cy="0"/>
-        </a:xfrm>
-      </p:grpSpPr>
       <p:pic>
         <p:nvPicPr>
-          <p:cNvPr id="4" name="Espace réservé du contenu 3" descr="Sans titre².png"/>
-          <p:cNvPicPr>
-            <a:picLocks noGrp="1" noChangeAspect="1"/>
-          </p:cNvPicPr>
-          <p:nvPr>
-            <p:ph idx="1"/>
-          </p:nvPr>
+          <p:cNvPr id="8" name="Image 7" descr="St_Valery_en_Caux_aerodrome_070902_TWR"/>
+          <p:cNvPicPr/>
+          <p:nvPr/>
         </p:nvPicPr>
         <p:blipFill>
-          <a:blip r:embed="rId2"/>
+          <a:blip r:embed="rId6"/>
+          <a:srcRect/>
           <a:stretch>
             <a:fillRect/>
           </a:stretch>
         </p:blipFill>
-        <p:spPr>
+        <p:spPr bwMode="auto">
           <a:xfrm>
-            <a:off x="1796524" y="-25835"/>
-            <a:ext cx="8430318" cy="6883835"/>
+            <a:off x="3761875" y="2855495"/>
+            <a:ext cx="4219072" cy="2703094"/>
           </a:xfrm>
+          <a:prstGeom prst="rect">
+            <a:avLst/>
+          </a:prstGeom>
+          <a:noFill/>
+          <a:ln w="9525">
+            <a:noFill/>
+            <a:miter lim="800000"/>
+            <a:headEnd/>
+            <a:tailEnd/>
+          </a:ln>
         </p:spPr>
       </p:pic>
     </p:spTree>
-    <p:extLst>
-      <p:ext uri="{BB962C8B-B14F-4D97-AF65-F5344CB8AC3E}">
-        <p14:creationId xmlns="" xmlns:p14="http://schemas.microsoft.com/office/powerpoint/2010/main" val="444586505"/>
-      </p:ext>
-    </p:extLst>
   </p:cSld>
   <p:clrMapOvr>
     <a:masterClrMapping/>
@@ -13255,7 +13250,7 @@
 </p:sld>
 </file>
 
-<file path=ppt/slides/slide8.xml><?xml version="1.0" encoding="utf-8"?>
+<file path=ppt/slides/slide4.xml><?xml version="1.0" encoding="utf-8"?>
 <p:sld xmlns:a="http://schemas.openxmlformats.org/drawingml/2006/main" xmlns:r="http://schemas.openxmlformats.org/officeDocument/2006/relationships" xmlns:p="http://schemas.openxmlformats.org/presentationml/2006/main">
   <p:cSld>
     <p:spTree>
@@ -13284,34 +13279,18 @@
         </p:nvSpPr>
         <p:spPr>
           <a:xfrm>
-            <a:off x="1141413" y="281634"/>
+            <a:off x="1101308" y="-256674"/>
             <a:ext cx="9905999" cy="1478570"/>
           </a:xfrm>
         </p:spPr>
         <p:txBody>
-          <a:bodyPr>
-            <a:normAutofit fontScale="90000"/>
-          </a:bodyPr>
+          <a:bodyPr/>
           <a:lstStyle/>
           <a:p>
             <a:pPr algn="ctr"/>
             <a:r>
               <a:rPr lang="fr-FR" dirty="0" smtClean="0"/>
-              <a:t>Partie Capteurs</a:t>
-            </a:r>
-            <a:br>
-              <a:rPr lang="fr-FR" dirty="0" smtClean="0"/>
-            </a:br>
-            <a:r>
-              <a:rPr lang="fr-FR" dirty="0" smtClean="0"/>
-              <a:t/>
-            </a:r>
-            <a:br>
-              <a:rPr lang="fr-FR" dirty="0" smtClean="0"/>
-            </a:br>
-            <a:r>
-              <a:rPr lang="fr-FR" dirty="0" smtClean="0"/>
-              <a:t>Capteur CV3F</a:t>
+              <a:t>Schéma partie capteur</a:t>
             </a:r>
             <a:endParaRPr lang="fr-FR" dirty="0"/>
           </a:p>
@@ -13319,24 +13298,37 @@
       </p:sp>
       <p:pic>
         <p:nvPicPr>
-          <p:cNvPr id="6" name="Image 5" descr="girouette.jpg"/>
-          <p:cNvPicPr/>
-          <p:nvPr/>
+          <p:cNvPr id="1028" name="Picture 4"/>
+          <p:cNvPicPr>
+            <a:picLocks noGrp="1" noChangeAspect="1" noChangeArrowheads="1"/>
+          </p:cNvPicPr>
+          <p:nvPr>
+            <p:ph idx="1"/>
+          </p:nvPr>
         </p:nvPicPr>
         <p:blipFill>
           <a:blip r:embed="rId2"/>
+          <a:srcRect/>
           <a:stretch>
             <a:fillRect/>
           </a:stretch>
         </p:blipFill>
-        <p:spPr>
+        <p:spPr bwMode="auto">
           <a:xfrm>
-            <a:off x="3930316" y="2140868"/>
-            <a:ext cx="4291264" cy="4291264"/>
+            <a:off x="2470484" y="787622"/>
+            <a:ext cx="7007226" cy="6070378"/>
           </a:xfrm>
           <a:prstGeom prst="rect">
             <a:avLst/>
           </a:prstGeom>
+          <a:noFill/>
+          <a:ln w="9525">
+            <a:noFill/>
+            <a:miter lim="800000"/>
+            <a:headEnd/>
+            <a:tailEnd/>
+          </a:ln>
+          <a:effectLst/>
         </p:spPr>
       </p:pic>
     </p:spTree>
@@ -13354,7 +13346,7 @@
 </p:sld>
 </file>
 
-<file path=ppt/slides/slide9.xml><?xml version="1.0" encoding="utf-8"?>
+<file path=ppt/slides/slide5.xml><?xml version="1.0" encoding="utf-8"?>
 <p:sld xmlns:a="http://schemas.openxmlformats.org/drawingml/2006/main" xmlns:r="http://schemas.openxmlformats.org/officeDocument/2006/relationships" xmlns:p="http://schemas.openxmlformats.org/presentationml/2006/main">
   <p:cSld>
     <p:spTree>
@@ -13381,7 +13373,12 @@
             <p:ph type="title"/>
           </p:nvPr>
         </p:nvSpPr>
-        <p:spPr/>
+        <p:spPr>
+          <a:xfrm>
+            <a:off x="1117350" y="321739"/>
+            <a:ext cx="9905999" cy="1478570"/>
+          </a:xfrm>
+        </p:spPr>
         <p:txBody>
           <a:bodyPr/>
           <a:lstStyle/>
@@ -13390,6 +13387,13 @@
             <a:r>
               <a:rPr lang="fr-FR" dirty="0" smtClean="0"/>
               <a:t>Capteur CV3F</a:t>
+            </a:r>
+            <a:br>
+              <a:rPr lang="fr-FR" dirty="0" smtClean="0"/>
+            </a:br>
+            <a:r>
+              <a:rPr lang="fr-FR" dirty="0" smtClean="0"/>
+              <a:t>Trame Attendue et Adaptation de tension</a:t>
             </a:r>
             <a:endParaRPr lang="fr-FR" dirty="0"/>
           </a:p>
@@ -13453,6 +13457,490 @@
             <a:headEnd/>
             <a:tailEnd/>
           </a:ln>
+        </p:spPr>
+      </p:pic>
+    </p:spTree>
+  </p:cSld>
+  <p:clrMapOvr>
+    <a:masterClrMapping/>
+  </p:clrMapOvr>
+  <p:timing>
+    <p:tnLst>
+      <p:par>
+        <p:cTn id="1" dur="indefinite" restart="never" nodeType="tmRoot"/>
+      </p:par>
+    </p:tnLst>
+  </p:timing>
+</p:sld>
+</file>
+
+<file path=ppt/slides/slide6.xml><?xml version="1.0" encoding="utf-8"?>
+<p:sld xmlns:a="http://schemas.openxmlformats.org/drawingml/2006/main" xmlns:r="http://schemas.openxmlformats.org/officeDocument/2006/relationships" xmlns:p="http://schemas.openxmlformats.org/presentationml/2006/main">
+  <p:cSld>
+    <p:spTree>
+      <p:nvGrpSpPr>
+        <p:cNvPr id="1" name=""/>
+        <p:cNvGrpSpPr/>
+        <p:nvPr/>
+      </p:nvGrpSpPr>
+      <p:grpSpPr>
+        <a:xfrm>
+          <a:off x="0" y="0"/>
+          <a:ext cx="0" cy="0"/>
+          <a:chOff x="0" y="0"/>
+          <a:chExt cx="0" cy="0"/>
+        </a:xfrm>
+      </p:grpSpPr>
+      <p:sp>
+        <p:nvSpPr>
+          <p:cNvPr id="2" name="Titre 1"/>
+          <p:cNvSpPr>
+            <a:spLocks noGrp="1"/>
+          </p:cNvSpPr>
+          <p:nvPr>
+            <p:ph type="title"/>
+          </p:nvPr>
+        </p:nvSpPr>
+        <p:spPr>
+          <a:xfrm>
+            <a:off x="1069225" y="128337"/>
+            <a:ext cx="9905999" cy="1478570"/>
+          </a:xfrm>
+        </p:spPr>
+        <p:txBody>
+          <a:bodyPr>
+            <a:normAutofit fontScale="90000"/>
+          </a:bodyPr>
+          <a:lstStyle/>
+          <a:p>
+            <a:pPr algn="ctr"/>
+            <a:r>
+              <a:rPr lang="fr-FR" dirty="0" smtClean="0"/>
+              <a:t>Capteur CV3F</a:t>
+            </a:r>
+            <a:br>
+              <a:rPr lang="fr-FR" dirty="0" smtClean="0"/>
+            </a:br>
+            <a:r>
+              <a:rPr lang="fr-FR" dirty="0" smtClean="0"/>
+              <a:t>Tests Unitaires</a:t>
+            </a:r>
+            <a:br>
+              <a:rPr lang="fr-FR" dirty="0" smtClean="0"/>
+            </a:br>
+            <a:r>
+              <a:rPr lang="fr-FR" dirty="0" smtClean="0"/>
+              <a:t>(Toutes les trames)</a:t>
+            </a:r>
+            <a:endParaRPr lang="fr-FR" dirty="0"/>
+          </a:p>
+        </p:txBody>
+      </p:sp>
+      <p:pic>
+        <p:nvPicPr>
+          <p:cNvPr id="1027" name="Picture 3"/>
+          <p:cNvPicPr>
+            <a:picLocks noChangeAspect="1" noChangeArrowheads="1"/>
+          </p:cNvPicPr>
+          <p:nvPr/>
+        </p:nvPicPr>
+        <p:blipFill>
+          <a:blip r:embed="rId2"/>
+          <a:srcRect/>
+          <a:stretch>
+            <a:fillRect/>
+          </a:stretch>
+        </p:blipFill>
+        <p:spPr bwMode="auto">
+          <a:xfrm>
+            <a:off x="0" y="1540042"/>
+            <a:ext cx="5032830" cy="5317958"/>
+          </a:xfrm>
+          <a:prstGeom prst="rect">
+            <a:avLst/>
+          </a:prstGeom>
+          <a:noFill/>
+          <a:ln w="9525">
+            <a:noFill/>
+            <a:miter lim="800000"/>
+            <a:headEnd/>
+            <a:tailEnd/>
+          </a:ln>
+          <a:effectLst/>
+        </p:spPr>
+      </p:pic>
+      <p:pic>
+        <p:nvPicPr>
+          <p:cNvPr id="1028" name="Picture 4"/>
+          <p:cNvPicPr>
+            <a:picLocks noChangeAspect="1" noChangeArrowheads="1"/>
+          </p:cNvPicPr>
+          <p:nvPr/>
+        </p:nvPicPr>
+        <p:blipFill>
+          <a:blip r:embed="rId3"/>
+          <a:srcRect/>
+          <a:stretch>
+            <a:fillRect/>
+          </a:stretch>
+        </p:blipFill>
+        <p:spPr bwMode="auto">
+          <a:xfrm>
+            <a:off x="5370514" y="2189748"/>
+            <a:ext cx="6821486" cy="4154905"/>
+          </a:xfrm>
+          <a:prstGeom prst="rect">
+            <a:avLst/>
+          </a:prstGeom>
+          <a:noFill/>
+          <a:ln w="9525">
+            <a:noFill/>
+            <a:miter lim="800000"/>
+            <a:headEnd/>
+            <a:tailEnd/>
+          </a:ln>
+          <a:effectLst/>
+        </p:spPr>
+      </p:pic>
+    </p:spTree>
+  </p:cSld>
+  <p:clrMapOvr>
+    <a:masterClrMapping/>
+  </p:clrMapOvr>
+  <p:timing>
+    <p:tnLst>
+      <p:par>
+        <p:cTn id="1" dur="indefinite" restart="never" nodeType="tmRoot"/>
+      </p:par>
+    </p:tnLst>
+  </p:timing>
+</p:sld>
+</file>
+
+<file path=ppt/slides/slide7.xml><?xml version="1.0" encoding="utf-8"?>
+<p:sld xmlns:a="http://schemas.openxmlformats.org/drawingml/2006/main" xmlns:r="http://schemas.openxmlformats.org/officeDocument/2006/relationships" xmlns:p="http://schemas.openxmlformats.org/presentationml/2006/main">
+  <p:cSld>
+    <p:spTree>
+      <p:nvGrpSpPr>
+        <p:cNvPr id="1" name=""/>
+        <p:cNvGrpSpPr/>
+        <p:nvPr/>
+      </p:nvGrpSpPr>
+      <p:grpSpPr>
+        <a:xfrm>
+          <a:off x="0" y="0"/>
+          <a:ext cx="0" cy="0"/>
+          <a:chOff x="0" y="0"/>
+          <a:chExt cx="0" cy="0"/>
+        </a:xfrm>
+      </p:grpSpPr>
+      <p:sp>
+        <p:nvSpPr>
+          <p:cNvPr id="2" name="Titre 1"/>
+          <p:cNvSpPr>
+            <a:spLocks noGrp="1"/>
+          </p:cNvSpPr>
+          <p:nvPr>
+            <p:ph type="title"/>
+          </p:nvPr>
+        </p:nvSpPr>
+        <p:spPr>
+          <a:xfrm>
+            <a:off x="1125373" y="113192"/>
+            <a:ext cx="9905999" cy="1478570"/>
+          </a:xfrm>
+        </p:spPr>
+        <p:txBody>
+          <a:bodyPr>
+            <a:normAutofit fontScale="90000"/>
+          </a:bodyPr>
+          <a:lstStyle/>
+          <a:p>
+            <a:pPr algn="ctr"/>
+            <a:r>
+              <a:rPr lang="fr-FR" dirty="0" smtClean="0"/>
+              <a:t>Capteur CV3F</a:t>
+            </a:r>
+            <a:br>
+              <a:rPr lang="fr-FR" dirty="0" smtClean="0"/>
+            </a:br>
+            <a:r>
+              <a:rPr lang="fr-FR" dirty="0" smtClean="0"/>
+              <a:t>Tests Unitaires</a:t>
+            </a:r>
+            <a:br>
+              <a:rPr lang="fr-FR" dirty="0" smtClean="0"/>
+            </a:br>
+            <a:r>
+              <a:rPr lang="fr-FR" dirty="0" smtClean="0"/>
+              <a:t>(Trame MWV et XDR)</a:t>
+            </a:r>
+            <a:endParaRPr lang="fr-FR" dirty="0"/>
+          </a:p>
+        </p:txBody>
+      </p:sp>
+      <p:pic>
+        <p:nvPicPr>
+          <p:cNvPr id="4098" name="Picture 2"/>
+          <p:cNvPicPr>
+            <a:picLocks noChangeAspect="1" noChangeArrowheads="1"/>
+          </p:cNvPicPr>
+          <p:nvPr/>
+        </p:nvPicPr>
+        <p:blipFill>
+          <a:blip r:embed="rId2"/>
+          <a:srcRect/>
+          <a:stretch>
+            <a:fillRect/>
+          </a:stretch>
+        </p:blipFill>
+        <p:spPr bwMode="auto">
+          <a:xfrm>
+            <a:off x="0" y="1636295"/>
+            <a:ext cx="4716807" cy="5221705"/>
+          </a:xfrm>
+          <a:prstGeom prst="rect">
+            <a:avLst/>
+          </a:prstGeom>
+          <a:noFill/>
+          <a:ln w="9525">
+            <a:noFill/>
+            <a:miter lim="800000"/>
+            <a:headEnd/>
+            <a:tailEnd/>
+          </a:ln>
+          <a:effectLst/>
+        </p:spPr>
+      </p:pic>
+      <p:pic>
+        <p:nvPicPr>
+          <p:cNvPr id="4099" name="Picture 3"/>
+          <p:cNvPicPr>
+            <a:picLocks noChangeAspect="1" noChangeArrowheads="1"/>
+          </p:cNvPicPr>
+          <p:nvPr/>
+        </p:nvPicPr>
+        <p:blipFill>
+          <a:blip r:embed="rId3"/>
+          <a:srcRect/>
+          <a:stretch>
+            <a:fillRect/>
+          </a:stretch>
+        </p:blipFill>
+        <p:spPr bwMode="auto">
+          <a:xfrm>
+            <a:off x="5360792" y="2005263"/>
+            <a:ext cx="6702871" cy="4170947"/>
+          </a:xfrm>
+          <a:prstGeom prst="rect">
+            <a:avLst/>
+          </a:prstGeom>
+          <a:noFill/>
+          <a:ln w="9525">
+            <a:noFill/>
+            <a:miter lim="800000"/>
+            <a:headEnd/>
+            <a:tailEnd/>
+          </a:ln>
+          <a:effectLst/>
+        </p:spPr>
+      </p:pic>
+    </p:spTree>
+  </p:cSld>
+  <p:clrMapOvr>
+    <a:masterClrMapping/>
+  </p:clrMapOvr>
+  <p:timing>
+    <p:tnLst>
+      <p:par>
+        <p:cTn id="1" dur="indefinite" restart="never" nodeType="tmRoot"/>
+      </p:par>
+    </p:tnLst>
+  </p:timing>
+</p:sld>
+</file>
+
+<file path=ppt/slides/slide8.xml><?xml version="1.0" encoding="utf-8"?>
+<p:sld xmlns:a="http://schemas.openxmlformats.org/drawingml/2006/main" xmlns:r="http://schemas.openxmlformats.org/officeDocument/2006/relationships" xmlns:p="http://schemas.openxmlformats.org/presentationml/2006/main">
+  <p:cSld>
+    <p:spTree>
+      <p:nvGrpSpPr>
+        <p:cNvPr id="1" name=""/>
+        <p:cNvGrpSpPr/>
+        <p:nvPr/>
+      </p:nvGrpSpPr>
+      <p:grpSpPr>
+        <a:xfrm>
+          <a:off x="0" y="0"/>
+          <a:ext cx="0" cy="0"/>
+          <a:chOff x="0" y="0"/>
+          <a:chExt cx="0" cy="0"/>
+        </a:xfrm>
+      </p:grpSpPr>
+      <p:sp>
+        <p:nvSpPr>
+          <p:cNvPr id="2" name="Titre 1"/>
+          <p:cNvSpPr>
+            <a:spLocks noGrp="1"/>
+          </p:cNvSpPr>
+          <p:nvPr>
+            <p:ph type="title"/>
+          </p:nvPr>
+        </p:nvSpPr>
+        <p:spPr>
+          <a:xfrm>
+            <a:off x="1173499" y="265592"/>
+            <a:ext cx="9905999" cy="1478570"/>
+          </a:xfrm>
+        </p:spPr>
+        <p:txBody>
+          <a:bodyPr/>
+          <a:lstStyle/>
+          <a:p>
+            <a:pPr algn="ctr"/>
+            <a:r>
+              <a:rPr lang="fr-FR" dirty="0" smtClean="0"/>
+              <a:t/>
+            </a:r>
+            <a:br>
+              <a:rPr lang="fr-FR" dirty="0" smtClean="0"/>
+            </a:br>
+            <a:endParaRPr lang="fr-FR" dirty="0"/>
+          </a:p>
+        </p:txBody>
+      </p:sp>
+      <p:pic>
+        <p:nvPicPr>
+          <p:cNvPr id="1026" name="Picture 2"/>
+          <p:cNvPicPr>
+            <a:picLocks noChangeAspect="1" noChangeArrowheads="1"/>
+          </p:cNvPicPr>
+          <p:nvPr/>
+        </p:nvPicPr>
+        <p:blipFill>
+          <a:blip r:embed="rId2"/>
+          <a:srcRect/>
+          <a:stretch>
+            <a:fillRect/>
+          </a:stretch>
+        </p:blipFill>
+        <p:spPr bwMode="auto">
+          <a:xfrm>
+            <a:off x="3081467" y="100486"/>
+            <a:ext cx="6527754" cy="6814898"/>
+          </a:xfrm>
+          <a:prstGeom prst="rect">
+            <a:avLst/>
+          </a:prstGeom>
+          <a:noFill/>
+          <a:ln w="9525">
+            <a:noFill/>
+            <a:miter lim="800000"/>
+            <a:headEnd/>
+            <a:tailEnd/>
+          </a:ln>
+          <a:effectLst/>
+        </p:spPr>
+      </p:pic>
+    </p:spTree>
+  </p:cSld>
+  <p:clrMapOvr>
+    <a:masterClrMapping/>
+  </p:clrMapOvr>
+  <p:timing>
+    <p:tnLst>
+      <p:par>
+        <p:cTn id="1" dur="indefinite" restart="never" nodeType="tmRoot"/>
+      </p:par>
+    </p:tnLst>
+  </p:timing>
+</p:sld>
+</file>
+
+<file path=ppt/slides/slide9.xml><?xml version="1.0" encoding="utf-8"?>
+<p:sld xmlns:a="http://schemas.openxmlformats.org/drawingml/2006/main" xmlns:r="http://schemas.openxmlformats.org/officeDocument/2006/relationships" xmlns:p="http://schemas.openxmlformats.org/presentationml/2006/main">
+  <p:cSld>
+    <p:spTree>
+      <p:nvGrpSpPr>
+        <p:cNvPr id="1" name=""/>
+        <p:cNvGrpSpPr/>
+        <p:nvPr/>
+      </p:nvGrpSpPr>
+      <p:grpSpPr>
+        <a:xfrm>
+          <a:off x="0" y="0"/>
+          <a:ext cx="0" cy="0"/>
+          <a:chOff x="0" y="0"/>
+          <a:chExt cx="0" cy="0"/>
+        </a:xfrm>
+      </p:grpSpPr>
+      <p:sp>
+        <p:nvSpPr>
+          <p:cNvPr id="2" name="Titre 1"/>
+          <p:cNvSpPr>
+            <a:spLocks noGrp="1"/>
+          </p:cNvSpPr>
+          <p:nvPr>
+            <p:ph type="title"/>
+          </p:nvPr>
+        </p:nvSpPr>
+        <p:spPr>
+          <a:xfrm>
+            <a:off x="1173499" y="265592"/>
+            <a:ext cx="9905999" cy="1478570"/>
+          </a:xfrm>
+        </p:spPr>
+        <p:txBody>
+          <a:bodyPr/>
+          <a:lstStyle/>
+          <a:p>
+            <a:pPr algn="ctr"/>
+            <a:r>
+              <a:rPr lang="fr-FR" dirty="0" smtClean="0"/>
+              <a:t>Capteur CV3F</a:t>
+            </a:r>
+            <a:br>
+              <a:rPr lang="fr-FR" dirty="0" smtClean="0"/>
+            </a:br>
+            <a:r>
+              <a:rPr lang="fr-FR" dirty="0" smtClean="0"/>
+              <a:t>Classe</a:t>
+            </a:r>
+            <a:endParaRPr lang="fr-FR" dirty="0"/>
+          </a:p>
+        </p:txBody>
+      </p:sp>
+      <p:pic>
+        <p:nvPicPr>
+          <p:cNvPr id="3074" name="Picture 2"/>
+          <p:cNvPicPr>
+            <a:picLocks noChangeAspect="1" noChangeArrowheads="1"/>
+          </p:cNvPicPr>
+          <p:nvPr/>
+        </p:nvPicPr>
+        <p:blipFill>
+          <a:blip r:embed="rId2"/>
+          <a:srcRect/>
+          <a:stretch>
+            <a:fillRect/>
+          </a:stretch>
+        </p:blipFill>
+        <p:spPr bwMode="auto">
+          <a:xfrm>
+            <a:off x="0" y="1580148"/>
+            <a:ext cx="12192000" cy="5277852"/>
+          </a:xfrm>
+          <a:prstGeom prst="rect">
+            <a:avLst/>
+          </a:prstGeom>
+          <a:noFill/>
+          <a:ln w="9525">
+            <a:noFill/>
+            <a:miter lim="800000"/>
+            <a:headEnd/>
+            <a:tailEnd/>
+          </a:ln>
+          <a:effectLst/>
         </p:spPr>
       </p:pic>
     </p:spTree>
